--- a/reports/Predicting_readmission_presentation.pptx
+++ b/reports/Predicting_readmission_presentation.pptx
@@ -23,17 +23,17 @@
     <p:sldId id="276" r:id="rId17"/>
     <p:sldId id="277" r:id="rId18"/>
     <p:sldId id="271" r:id="rId19"/>
-    <p:sldId id="289" r:id="rId20"/>
-    <p:sldId id="283" r:id="rId21"/>
-    <p:sldId id="270" r:id="rId22"/>
-    <p:sldId id="284" r:id="rId23"/>
-    <p:sldId id="285" r:id="rId24"/>
-    <p:sldId id="272" r:id="rId25"/>
-    <p:sldId id="286" r:id="rId26"/>
-    <p:sldId id="287" r:id="rId27"/>
-    <p:sldId id="273" r:id="rId28"/>
-    <p:sldId id="288" r:id="rId29"/>
-    <p:sldId id="279" r:id="rId30"/>
+    <p:sldId id="283" r:id="rId20"/>
+    <p:sldId id="270" r:id="rId21"/>
+    <p:sldId id="284" r:id="rId22"/>
+    <p:sldId id="285" r:id="rId23"/>
+    <p:sldId id="272" r:id="rId24"/>
+    <p:sldId id="286" r:id="rId25"/>
+    <p:sldId id="287" r:id="rId26"/>
+    <p:sldId id="273" r:id="rId27"/>
+    <p:sldId id="288" r:id="rId28"/>
+    <p:sldId id="279" r:id="rId29"/>
+    <p:sldId id="289" r:id="rId30"/>
   </p:sldIdLst>
   <p:sldSz cx="12192000" cy="6858000"/>
   <p:notesSz cx="6858000" cy="9144000"/>
@@ -3465,7 +3465,7 @@
             <a:fld id="{5586B75A-687E-405C-8A0B-8D00578BA2C3}" type="datetimeFigureOut">
               <a:rPr lang="en-US" dirty="0"/>
               <a:pPr/>
-              <a:t>2/23/20</a:t>
+              <a:t>3/15/20</a:t>
             </a:fld>
             <a:endParaRPr lang="en-US" dirty="0"/>
           </a:p>
@@ -3632,7 +3632,7 @@
             <a:fld id="{5586B75A-687E-405C-8A0B-8D00578BA2C3}" type="datetimeFigureOut">
               <a:rPr lang="en-US" dirty="0"/>
               <a:pPr/>
-              <a:t>2/23/20</a:t>
+              <a:t>3/15/20</a:t>
             </a:fld>
             <a:endParaRPr lang="en-US" dirty="0"/>
           </a:p>
@@ -3809,7 +3809,7 @@
             <a:fld id="{5586B75A-687E-405C-8A0B-8D00578BA2C3}" type="datetimeFigureOut">
               <a:rPr lang="en-US" dirty="0"/>
               <a:pPr/>
-              <a:t>2/23/20</a:t>
+              <a:t>3/15/20</a:t>
             </a:fld>
             <a:endParaRPr lang="en-US" dirty="0"/>
           </a:p>
@@ -3976,7 +3976,7 @@
             <a:fld id="{5586B75A-687E-405C-8A0B-8D00578BA2C3}" type="datetimeFigureOut">
               <a:rPr lang="en-US" dirty="0"/>
               <a:pPr/>
-              <a:t>2/23/20</a:t>
+              <a:t>3/15/20</a:t>
             </a:fld>
             <a:endParaRPr lang="en-US" dirty="0"/>
           </a:p>
@@ -4231,7 +4231,7 @@
             <a:fld id="{5586B75A-687E-405C-8A0B-8D00578BA2C3}" type="datetimeFigureOut">
               <a:rPr lang="en-US" dirty="0"/>
               <a:pPr/>
-              <a:t>2/23/20</a:t>
+              <a:t>3/15/20</a:t>
             </a:fld>
             <a:endParaRPr lang="en-US" dirty="0"/>
           </a:p>
@@ -4516,7 +4516,7 @@
             <a:fld id="{5586B75A-687E-405C-8A0B-8D00578BA2C3}" type="datetimeFigureOut">
               <a:rPr lang="en-US" dirty="0"/>
               <a:pPr/>
-              <a:t>2/23/20</a:t>
+              <a:t>3/15/20</a:t>
             </a:fld>
             <a:endParaRPr lang="en-US" dirty="0"/>
           </a:p>
@@ -4955,7 +4955,7 @@
             <a:fld id="{5586B75A-687E-405C-8A0B-8D00578BA2C3}" type="datetimeFigureOut">
               <a:rPr lang="en-US" dirty="0"/>
               <a:pPr/>
-              <a:t>2/23/20</a:t>
+              <a:t>3/15/20</a:t>
             </a:fld>
             <a:endParaRPr lang="en-US" dirty="0"/>
           </a:p>
@@ -5070,7 +5070,7 @@
             <a:fld id="{5586B75A-687E-405C-8A0B-8D00578BA2C3}" type="datetimeFigureOut">
               <a:rPr lang="en-US" dirty="0"/>
               <a:pPr/>
-              <a:t>2/23/20</a:t>
+              <a:t>3/15/20</a:t>
             </a:fld>
             <a:endParaRPr lang="en-US" dirty="0"/>
           </a:p>
@@ -5162,7 +5162,7 @@
             <a:fld id="{5586B75A-687E-405C-8A0B-8D00578BA2C3}" type="datetimeFigureOut">
               <a:rPr lang="en-US" dirty="0"/>
               <a:pPr/>
-              <a:t>2/23/20</a:t>
+              <a:t>3/15/20</a:t>
             </a:fld>
             <a:endParaRPr lang="en-US" dirty="0"/>
           </a:p>
@@ -5447,7 +5447,7 @@
             <a:fld id="{5586B75A-687E-405C-8A0B-8D00578BA2C3}" type="datetimeFigureOut">
               <a:rPr lang="en-US" dirty="0"/>
               <a:pPr/>
-              <a:t>2/23/20</a:t>
+              <a:t>3/15/20</a:t>
             </a:fld>
             <a:endParaRPr lang="en-US" dirty="0"/>
           </a:p>
@@ -5717,7 +5717,7 @@
             <a:fld id="{5586B75A-687E-405C-8A0B-8D00578BA2C3}" type="datetimeFigureOut">
               <a:rPr lang="en-US" dirty="0"/>
               <a:pPr/>
-              <a:t>2/23/20</a:t>
+              <a:t>3/15/20</a:t>
             </a:fld>
             <a:endParaRPr lang="en-US" dirty="0"/>
           </a:p>
@@ -6011,7 +6011,7 @@
             <a:fld id="{5586B75A-687E-405C-8A0B-8D00578BA2C3}" type="datetimeFigureOut">
               <a:rPr lang="en-US" dirty="0"/>
               <a:pPr/>
-              <a:t>2/23/20</a:t>
+              <a:t>3/15/20</a:t>
             </a:fld>
             <a:endParaRPr lang="en-US" dirty="0"/>
           </a:p>
@@ -7687,332 +7687,14 @@
         </p:blipFill>
         <p:spPr>
           <a:xfrm>
-            <a:off x="4391891" y="681228"/>
-            <a:ext cx="6400800" cy="5486400"/>
+            <a:off x="4771902" y="765469"/>
+            <a:ext cx="5786143" cy="4959551"/>
           </a:xfrm>
           <a:prstGeom prst="rect">
             <a:avLst/>
           </a:prstGeom>
         </p:spPr>
       </p:pic>
-      <p:sp>
-        <p:nvSpPr>
-          <p:cNvPr id="12" name="TextBox 11">
-            <a:extLst>
-              <a:ext uri="{FF2B5EF4-FFF2-40B4-BE49-F238E27FC236}">
-                <a16:creationId xmlns:a16="http://schemas.microsoft.com/office/drawing/2014/main" id="{FB49AF0D-D3F8-1E43-A615-FEB2AB41C7A6}"/>
-              </a:ext>
-            </a:extLst>
-          </p:cNvPr>
-          <p:cNvSpPr txBox="1"/>
-          <p:nvPr/>
-        </p:nvSpPr>
-        <p:spPr>
-          <a:xfrm>
-            <a:off x="5282301" y="1318162"/>
-            <a:ext cx="976549" cy="276999"/>
-          </a:xfrm>
-          <a:prstGeom prst="rect">
-            <a:avLst/>
-          </a:prstGeom>
-          <a:noFill/>
-        </p:spPr>
-        <p:txBody>
-          <a:bodyPr wrap="none" rtlCol="0">
-            <a:spAutoFit/>
-          </a:bodyPr>
-          <a:lstStyle/>
-          <a:p>
-            <a:r>
-              <a:rPr lang="en-US" sz="1200" dirty="0" err="1">
-                <a:solidFill>
-                  <a:schemeClr val="tx1">
-                    <a:lumMod val="75000"/>
-                    <a:lumOff val="25000"/>
-                  </a:schemeClr>
-                </a:solidFill>
-              </a:rPr>
-              <a:t>pval</a:t>
-            </a:r>
-            <a:r>
-              <a:rPr lang="en-US" sz="1200" dirty="0">
-                <a:solidFill>
-                  <a:schemeClr val="tx1">
-                    <a:lumMod val="75000"/>
-                    <a:lumOff val="25000"/>
-                  </a:schemeClr>
-                </a:solidFill>
-              </a:rPr>
-              <a:t> = E-31* </a:t>
-            </a:r>
-          </a:p>
-        </p:txBody>
-      </p:sp>
-      <p:sp>
-        <p:nvSpPr>
-          <p:cNvPr id="15" name="TextBox 14">
-            <a:extLst>
-              <a:ext uri="{FF2B5EF4-FFF2-40B4-BE49-F238E27FC236}">
-                <a16:creationId xmlns:a16="http://schemas.microsoft.com/office/drawing/2014/main" id="{ADB03C75-5ACC-4E49-8CDD-8D0F421FE2B4}"/>
-              </a:ext>
-            </a:extLst>
-          </p:cNvPr>
-          <p:cNvSpPr txBox="1"/>
-          <p:nvPr/>
-        </p:nvSpPr>
-        <p:spPr>
-          <a:xfrm>
-            <a:off x="7366984" y="1318161"/>
-            <a:ext cx="906017" cy="276999"/>
-          </a:xfrm>
-          <a:prstGeom prst="rect">
-            <a:avLst/>
-          </a:prstGeom>
-          <a:noFill/>
-        </p:spPr>
-        <p:txBody>
-          <a:bodyPr wrap="none" rtlCol="0">
-            <a:spAutoFit/>
-          </a:bodyPr>
-          <a:lstStyle/>
-          <a:p>
-            <a:r>
-              <a:rPr lang="en-US" sz="1200" dirty="0" err="1">
-                <a:solidFill>
-                  <a:schemeClr val="tx1">
-                    <a:lumMod val="75000"/>
-                    <a:lumOff val="25000"/>
-                  </a:schemeClr>
-                </a:solidFill>
-              </a:rPr>
-              <a:t>pval</a:t>
-            </a:r>
-            <a:r>
-              <a:rPr lang="en-US" sz="1200" dirty="0">
-                <a:solidFill>
-                  <a:schemeClr val="tx1">
-                    <a:lumMod val="75000"/>
-                    <a:lumOff val="25000"/>
-                  </a:schemeClr>
-                </a:solidFill>
-              </a:rPr>
-              <a:t> = E-52 </a:t>
-            </a:r>
-          </a:p>
-        </p:txBody>
-      </p:sp>
-      <p:sp>
-        <p:nvSpPr>
-          <p:cNvPr id="16" name="TextBox 15">
-            <a:extLst>
-              <a:ext uri="{FF2B5EF4-FFF2-40B4-BE49-F238E27FC236}">
-                <a16:creationId xmlns:a16="http://schemas.microsoft.com/office/drawing/2014/main" id="{DDC7E9AE-3B6E-A849-9064-52F041984087}"/>
-              </a:ext>
-            </a:extLst>
-          </p:cNvPr>
-          <p:cNvSpPr txBox="1"/>
-          <p:nvPr/>
-        </p:nvSpPr>
-        <p:spPr>
-          <a:xfrm>
-            <a:off x="9555439" y="1318160"/>
-            <a:ext cx="914033" cy="276999"/>
-          </a:xfrm>
-          <a:prstGeom prst="rect">
-            <a:avLst/>
-          </a:prstGeom>
-          <a:noFill/>
-        </p:spPr>
-        <p:txBody>
-          <a:bodyPr wrap="none" rtlCol="0">
-            <a:spAutoFit/>
-          </a:bodyPr>
-          <a:lstStyle/>
-          <a:p>
-            <a:r>
-              <a:rPr lang="en-US" sz="1200" dirty="0" err="1">
-                <a:solidFill>
-                  <a:schemeClr val="tx1">
-                    <a:lumMod val="75000"/>
-                    <a:lumOff val="25000"/>
-                  </a:schemeClr>
-                </a:solidFill>
-              </a:rPr>
-              <a:t>pval</a:t>
-            </a:r>
-            <a:r>
-              <a:rPr lang="en-US" sz="1200" dirty="0">
-                <a:solidFill>
-                  <a:schemeClr val="tx1">
-                    <a:lumMod val="75000"/>
-                    <a:lumOff val="25000"/>
-                  </a:schemeClr>
-                </a:solidFill>
-              </a:rPr>
-              <a:t> = E-46 </a:t>
-            </a:r>
-          </a:p>
-        </p:txBody>
-      </p:sp>
-      <p:sp>
-        <p:nvSpPr>
-          <p:cNvPr id="17" name="TextBox 16">
-            <a:extLst>
-              <a:ext uri="{FF2B5EF4-FFF2-40B4-BE49-F238E27FC236}">
-                <a16:creationId xmlns:a16="http://schemas.microsoft.com/office/drawing/2014/main" id="{97DAF2AF-9EA7-7C4D-9390-A4B13053D500}"/>
-              </a:ext>
-            </a:extLst>
-          </p:cNvPr>
-          <p:cNvSpPr txBox="1"/>
-          <p:nvPr/>
-        </p:nvSpPr>
-        <p:spPr>
-          <a:xfrm>
-            <a:off x="5282300" y="3833752"/>
-            <a:ext cx="888385" cy="276999"/>
-          </a:xfrm>
-          <a:prstGeom prst="rect">
-            <a:avLst/>
-          </a:prstGeom>
-          <a:noFill/>
-        </p:spPr>
-        <p:txBody>
-          <a:bodyPr wrap="none" rtlCol="0">
-            <a:spAutoFit/>
-          </a:bodyPr>
-          <a:lstStyle/>
-          <a:p>
-            <a:r>
-              <a:rPr lang="en-US" sz="1200" dirty="0" err="1">
-                <a:solidFill>
-                  <a:schemeClr val="tx1">
-                    <a:lumMod val="75000"/>
-                    <a:lumOff val="25000"/>
-                  </a:schemeClr>
-                </a:solidFill>
-              </a:rPr>
-              <a:t>pval</a:t>
-            </a:r>
-            <a:r>
-              <a:rPr lang="en-US" sz="1200" dirty="0">
-                <a:solidFill>
-                  <a:schemeClr val="tx1">
-                    <a:lumMod val="75000"/>
-                    <a:lumOff val="25000"/>
-                  </a:schemeClr>
-                </a:solidFill>
-              </a:rPr>
-              <a:t> = E-71 </a:t>
-            </a:r>
-          </a:p>
-        </p:txBody>
-      </p:sp>
-      <p:sp>
-        <p:nvSpPr>
-          <p:cNvPr id="18" name="TextBox 17">
-            <a:extLst>
-              <a:ext uri="{FF2B5EF4-FFF2-40B4-BE49-F238E27FC236}">
-                <a16:creationId xmlns:a16="http://schemas.microsoft.com/office/drawing/2014/main" id="{07BC5897-2F97-0840-B872-439B851D3EE4}"/>
-              </a:ext>
-            </a:extLst>
-          </p:cNvPr>
-          <p:cNvSpPr txBox="1"/>
-          <p:nvPr/>
-        </p:nvSpPr>
-        <p:spPr>
-          <a:xfrm>
-            <a:off x="7379808" y="3833752"/>
-            <a:ext cx="904415" cy="276999"/>
-          </a:xfrm>
-          <a:prstGeom prst="rect">
-            <a:avLst/>
-          </a:prstGeom>
-          <a:noFill/>
-        </p:spPr>
-        <p:txBody>
-          <a:bodyPr wrap="none" rtlCol="0">
-            <a:spAutoFit/>
-          </a:bodyPr>
-          <a:lstStyle/>
-          <a:p>
-            <a:r>
-              <a:rPr lang="en-US" sz="1200" dirty="0" err="1">
-                <a:solidFill>
-                  <a:schemeClr val="tx1">
-                    <a:lumMod val="75000"/>
-                    <a:lumOff val="25000"/>
-                  </a:schemeClr>
-                </a:solidFill>
-              </a:rPr>
-              <a:t>pval</a:t>
-            </a:r>
-            <a:r>
-              <a:rPr lang="en-US" sz="1200" dirty="0">
-                <a:solidFill>
-                  <a:schemeClr val="tx1">
-                    <a:lumMod val="75000"/>
-                    <a:lumOff val="25000"/>
-                  </a:schemeClr>
-                </a:solidFill>
-              </a:rPr>
-              <a:t> = E-36 </a:t>
-            </a:r>
-          </a:p>
-        </p:txBody>
-      </p:sp>
-      <p:sp>
-        <p:nvSpPr>
-          <p:cNvPr id="19" name="TextBox 18">
-            <a:extLst>
-              <a:ext uri="{FF2B5EF4-FFF2-40B4-BE49-F238E27FC236}">
-                <a16:creationId xmlns:a16="http://schemas.microsoft.com/office/drawing/2014/main" id="{3BE10332-E2C5-F24E-A452-65198B45026C}"/>
-              </a:ext>
-            </a:extLst>
-          </p:cNvPr>
-          <p:cNvSpPr txBox="1"/>
-          <p:nvPr/>
-        </p:nvSpPr>
-        <p:spPr>
-          <a:xfrm>
-            <a:off x="9555439" y="4415643"/>
-            <a:ext cx="898323" cy="276999"/>
-          </a:xfrm>
-          <a:prstGeom prst="rect">
-            <a:avLst/>
-          </a:prstGeom>
-          <a:noFill/>
-        </p:spPr>
-        <p:txBody>
-          <a:bodyPr wrap="none" rtlCol="0">
-            <a:spAutoFit/>
-          </a:bodyPr>
-          <a:lstStyle/>
-          <a:p>
-            <a:r>
-              <a:rPr lang="en-US" sz="1200" dirty="0" err="1">
-                <a:solidFill>
-                  <a:schemeClr val="tx1">
-                    <a:lumMod val="75000"/>
-                    <a:lumOff val="25000"/>
-                  </a:schemeClr>
-                </a:solidFill>
-              </a:rPr>
-              <a:t>pval</a:t>
-            </a:r>
-            <a:r>
-              <a:rPr lang="en-US" sz="1200" dirty="0">
-                <a:solidFill>
-                  <a:schemeClr val="tx1">
-                    <a:lumMod val="75000"/>
-                    <a:lumOff val="25000"/>
-                  </a:schemeClr>
-                </a:solidFill>
-              </a:rPr>
-              <a:t> = E-23 </a:t>
-            </a:r>
-          </a:p>
-        </p:txBody>
-      </p:sp>
       <p:sp>
         <p:nvSpPr>
           <p:cNvPr id="20" name="TextBox 19">
@@ -8027,8 +7709,8 @@
         </p:nvSpPr>
         <p:spPr>
           <a:xfrm>
-            <a:off x="4391891" y="6167628"/>
-            <a:ext cx="5864682" cy="307777"/>
+            <a:off x="4210053" y="5784754"/>
+            <a:ext cx="7177542" cy="307777"/>
           </a:xfrm>
           <a:prstGeom prst="rect">
             <a:avLst/>
@@ -8042,7 +7724,7 @@
           <a:lstStyle/>
           <a:p>
             <a:r>
-              <a:rPr lang="en-US" sz="1400" dirty="0">
+              <a:rPr lang="en-US" sz="1400" b="1" dirty="0">
                 <a:solidFill>
                   <a:schemeClr val="tx1">
                     <a:lumMod val="75000"/>
@@ -8050,7 +7732,7 @@
                   </a:schemeClr>
                 </a:solidFill>
               </a:rPr>
-              <a:t>* T test for mean difference of 2 independent samples with unequal variance.</a:t>
+              <a:t>* T test for mean difference of 2 independent samples with unequal variance. P value &lt; 0.01</a:t>
             </a:r>
           </a:p>
         </p:txBody>
@@ -9244,277 +8926,6 @@
           <p:cNvPr id="2" name="Title 1">
             <a:extLst>
               <a:ext uri="{FF2B5EF4-FFF2-40B4-BE49-F238E27FC236}">
-                <a16:creationId xmlns:a16="http://schemas.microsoft.com/office/drawing/2014/main" id="{508DAFEB-8FB8-994D-9A33-8D843412FC72}"/>
-              </a:ext>
-            </a:extLst>
-          </p:cNvPr>
-          <p:cNvSpPr>
-            <a:spLocks noGrp="1"/>
-          </p:cNvSpPr>
-          <p:nvPr>
-            <p:ph type="title"/>
-          </p:nvPr>
-        </p:nvSpPr>
-        <p:spPr/>
-        <p:txBody>
-          <a:bodyPr/>
-          <a:lstStyle/>
-          <a:p>
-            <a:r>
-              <a:rPr lang="en-US" dirty="0"/>
-              <a:t>Evaluation metric definition</a:t>
-            </a:r>
-          </a:p>
-        </p:txBody>
-      </p:sp>
-      <p:sp>
-        <p:nvSpPr>
-          <p:cNvPr id="3" name="Content Placeholder 2">
-            <a:extLst>
-              <a:ext uri="{FF2B5EF4-FFF2-40B4-BE49-F238E27FC236}">
-                <a16:creationId xmlns:a16="http://schemas.microsoft.com/office/drawing/2014/main" id="{A3B076A1-191E-6A45-B628-D6E4F49A446E}"/>
-              </a:ext>
-            </a:extLst>
-          </p:cNvPr>
-          <p:cNvSpPr>
-            <a:spLocks noGrp="1"/>
-          </p:cNvSpPr>
-          <p:nvPr>
-            <p:ph idx="1"/>
-          </p:nvPr>
-        </p:nvSpPr>
-        <p:spPr/>
-        <p:txBody>
-          <a:bodyPr>
-            <a:normAutofit fontScale="92500" lnSpcReduction="10000"/>
-          </a:bodyPr>
-          <a:lstStyle/>
-          <a:p>
-            <a:r>
-              <a:rPr lang="en-US" dirty="0"/>
-              <a:t>True positive rate (TPR) = positive prediction rate, the fraction of admissions followed by 30-day readmission that the model identifies</a:t>
-            </a:r>
-          </a:p>
-          <a:p>
-            <a:pPr lvl="1"/>
-            <a:r>
-              <a:rPr lang="en-US" dirty="0"/>
-              <a:t>The higher the TPR, the more $s the hospital saves</a:t>
-            </a:r>
-          </a:p>
-          <a:p>
-            <a:r>
-              <a:rPr lang="en-US" dirty="0"/>
-              <a:t>False positive rate (FPR) = False alarm rate, the fraction of incorrectly flagged positive readmissions out of total negative readmissions</a:t>
-            </a:r>
-          </a:p>
-          <a:p>
-            <a:pPr lvl="1"/>
-            <a:r>
-              <a:rPr lang="en-US" dirty="0"/>
-              <a:t>The higher the FPR, the more $s hospital spends on wrong patients</a:t>
-            </a:r>
-          </a:p>
-          <a:p>
-            <a:r>
-              <a:rPr lang="en-US" dirty="0"/>
-              <a:t>AUROC = area under receiver operating characteristic curve, a metric which combines TPR &amp; FPR</a:t>
-            </a:r>
-          </a:p>
-          <a:p>
-            <a:pPr lvl="1"/>
-            <a:r>
-              <a:rPr lang="en-US" dirty="0"/>
-              <a:t>Higher AUROC, more $s saved</a:t>
-            </a:r>
-          </a:p>
-          <a:p>
-            <a:r>
-              <a:rPr lang="en-US" dirty="0"/>
-              <a:t>Precision = the fraction of admissions flagged by the model that will actually result readmission</a:t>
-            </a:r>
-          </a:p>
-          <a:p>
-            <a:pPr lvl="1"/>
-            <a:r>
-              <a:rPr lang="en-US" dirty="0"/>
-              <a:t>The higher the precision, the less $s hospital spends on wrong patients</a:t>
-            </a:r>
-          </a:p>
-          <a:p>
-            <a:r>
-              <a:rPr lang="en-US" dirty="0"/>
-              <a:t>Recall = TPR</a:t>
-            </a:r>
-          </a:p>
-          <a:p>
-            <a:r>
-              <a:rPr lang="en-US" dirty="0"/>
-              <a:t>AP = Average precision, a metric to combine precision and recall</a:t>
-            </a:r>
-          </a:p>
-          <a:p>
-            <a:r>
-              <a:rPr lang="en-US" b="1" dirty="0"/>
-              <a:t>Since the dataset is imbalanced AUROC can give overly optimistic view, hence use both AUROC and AP</a:t>
-            </a:r>
-          </a:p>
-        </p:txBody>
-      </p:sp>
-    </p:spTree>
-    <p:extLst>
-      <p:ext uri="{BB962C8B-B14F-4D97-AF65-F5344CB8AC3E}">
-        <p14:creationId xmlns:p14="http://schemas.microsoft.com/office/powerpoint/2010/main" val="1676086572"/>
-      </p:ext>
-    </p:extLst>
-  </p:cSld>
-  <p:clrMapOvr>
-    <a:masterClrMapping/>
-  </p:clrMapOvr>
-</p:sld>
-</file>
-
-<file path=ppt/slides/slide2.xml><?xml version="1.0" encoding="utf-8"?>
-<p:sld xmlns:a="http://schemas.openxmlformats.org/drawingml/2006/main" xmlns:r="http://schemas.openxmlformats.org/officeDocument/2006/relationships" xmlns:p="http://schemas.openxmlformats.org/presentationml/2006/main">
-  <p:cSld>
-    <p:spTree>
-      <p:nvGrpSpPr>
-        <p:cNvPr id="1" name=""/>
-        <p:cNvGrpSpPr/>
-        <p:nvPr/>
-      </p:nvGrpSpPr>
-      <p:grpSpPr>
-        <a:xfrm>
-          <a:off x="0" y="0"/>
-          <a:ext cx="0" cy="0"/>
-          <a:chOff x="0" y="0"/>
-          <a:chExt cx="0" cy="0"/>
-        </a:xfrm>
-      </p:grpSpPr>
-      <p:sp>
-        <p:nvSpPr>
-          <p:cNvPr id="2" name="Title 1">
-            <a:extLst>
-              <a:ext uri="{FF2B5EF4-FFF2-40B4-BE49-F238E27FC236}">
-                <a16:creationId xmlns:a16="http://schemas.microsoft.com/office/drawing/2014/main" id="{52F3B502-809E-C649-9F76-9327F624E4D5}"/>
-              </a:ext>
-            </a:extLst>
-          </p:cNvPr>
-          <p:cNvSpPr>
-            <a:spLocks noGrp="1"/>
-          </p:cNvSpPr>
-          <p:nvPr>
-            <p:ph type="title"/>
-          </p:nvPr>
-        </p:nvSpPr>
-        <p:spPr/>
-        <p:txBody>
-          <a:bodyPr/>
-          <a:lstStyle/>
-          <a:p>
-            <a:r>
-              <a:rPr lang="en-US" dirty="0"/>
-              <a:t>Q: What’s the problem?</a:t>
-            </a:r>
-            <a:br>
-              <a:rPr lang="en-US" dirty="0"/>
-            </a:br>
-            <a:r>
-              <a:rPr lang="en-US" dirty="0"/>
-              <a:t>A: Unplanned hospital readmissions are expensive</a:t>
-            </a:r>
-          </a:p>
-        </p:txBody>
-      </p:sp>
-      <p:sp>
-        <p:nvSpPr>
-          <p:cNvPr id="3" name="Content Placeholder 2">
-            <a:extLst>
-              <a:ext uri="{FF2B5EF4-FFF2-40B4-BE49-F238E27FC236}">
-                <a16:creationId xmlns:a16="http://schemas.microsoft.com/office/drawing/2014/main" id="{B30CE165-7021-CC48-89AA-B5F941E2FB0A}"/>
-              </a:ext>
-            </a:extLst>
-          </p:cNvPr>
-          <p:cNvSpPr>
-            <a:spLocks noGrp="1"/>
-          </p:cNvSpPr>
-          <p:nvPr>
-            <p:ph idx="1"/>
-          </p:nvPr>
-        </p:nvSpPr>
-        <p:spPr/>
-        <p:txBody>
-          <a:bodyPr/>
-          <a:lstStyle/>
-          <a:p>
-            <a:r>
-              <a:rPr lang="en-US" dirty="0"/>
-              <a:t>Medicare spends $26B/ year on readmissions</a:t>
-            </a:r>
-          </a:p>
-          <a:p>
-            <a:pPr lvl="1"/>
-            <a:r>
-              <a:rPr lang="en-US" dirty="0"/>
-              <a:t>Of which $17B are spent on avoidable readmissions</a:t>
-            </a:r>
-          </a:p>
-          <a:p>
-            <a:pPr lvl="1"/>
-            <a:endParaRPr lang="en-US" dirty="0"/>
-          </a:p>
-          <a:p>
-            <a:r>
-              <a:rPr lang="en-US" dirty="0"/>
-              <a:t>In 2017 &gt;2500 hospitals paid $564M in penalties for excessive 30-day readmissions</a:t>
-            </a:r>
-          </a:p>
-          <a:p>
-            <a:endParaRPr lang="en-US" dirty="0"/>
-          </a:p>
-          <a:p>
-            <a:r>
-              <a:rPr lang="en-US" dirty="0"/>
-              <a:t>Patient experience and outcome is worse for readmitted patients</a:t>
-            </a:r>
-          </a:p>
-        </p:txBody>
-      </p:sp>
-    </p:spTree>
-    <p:extLst>
-      <p:ext uri="{BB962C8B-B14F-4D97-AF65-F5344CB8AC3E}">
-        <p14:creationId xmlns:p14="http://schemas.microsoft.com/office/powerpoint/2010/main" val="3125028159"/>
-      </p:ext>
-    </p:extLst>
-  </p:cSld>
-  <p:clrMapOvr>
-    <a:masterClrMapping/>
-  </p:clrMapOvr>
-</p:sld>
-</file>
-
-<file path=ppt/slides/slide20.xml><?xml version="1.0" encoding="utf-8"?>
-<p:sld xmlns:a="http://schemas.openxmlformats.org/drawingml/2006/main" xmlns:r="http://schemas.openxmlformats.org/officeDocument/2006/relationships" xmlns:p="http://schemas.openxmlformats.org/presentationml/2006/main">
-  <p:cSld>
-    <p:spTree>
-      <p:nvGrpSpPr>
-        <p:cNvPr id="1" name=""/>
-        <p:cNvGrpSpPr/>
-        <p:nvPr/>
-      </p:nvGrpSpPr>
-      <p:grpSpPr>
-        <a:xfrm>
-          <a:off x="0" y="0"/>
-          <a:ext cx="0" cy="0"/>
-          <a:chOff x="0" y="0"/>
-          <a:chExt cx="0" cy="0"/>
-        </a:xfrm>
-      </p:grpSpPr>
-      <p:sp>
-        <p:nvSpPr>
-          <p:cNvPr id="2" name="Title 1">
-            <a:extLst>
-              <a:ext uri="{FF2B5EF4-FFF2-40B4-BE49-F238E27FC236}">
                 <a16:creationId xmlns:a16="http://schemas.microsoft.com/office/drawing/2014/main" id="{BBD38F00-984E-4948-BD92-DA655B55A04B}"/>
               </a:ext>
             </a:extLst>
@@ -9677,7 +9088,126 @@
 </p:sld>
 </file>
 
-<file path=ppt/slides/slide21.xml><?xml version="1.0" encoding="utf-8"?>
+<file path=ppt/slides/slide2.xml><?xml version="1.0" encoding="utf-8"?>
+<p:sld xmlns:a="http://schemas.openxmlformats.org/drawingml/2006/main" xmlns:r="http://schemas.openxmlformats.org/officeDocument/2006/relationships" xmlns:p="http://schemas.openxmlformats.org/presentationml/2006/main">
+  <p:cSld>
+    <p:spTree>
+      <p:nvGrpSpPr>
+        <p:cNvPr id="1" name=""/>
+        <p:cNvGrpSpPr/>
+        <p:nvPr/>
+      </p:nvGrpSpPr>
+      <p:grpSpPr>
+        <a:xfrm>
+          <a:off x="0" y="0"/>
+          <a:ext cx="0" cy="0"/>
+          <a:chOff x="0" y="0"/>
+          <a:chExt cx="0" cy="0"/>
+        </a:xfrm>
+      </p:grpSpPr>
+      <p:sp>
+        <p:nvSpPr>
+          <p:cNvPr id="2" name="Title 1">
+            <a:extLst>
+              <a:ext uri="{FF2B5EF4-FFF2-40B4-BE49-F238E27FC236}">
+                <a16:creationId xmlns:a16="http://schemas.microsoft.com/office/drawing/2014/main" id="{52F3B502-809E-C649-9F76-9327F624E4D5}"/>
+              </a:ext>
+            </a:extLst>
+          </p:cNvPr>
+          <p:cNvSpPr>
+            <a:spLocks noGrp="1"/>
+          </p:cNvSpPr>
+          <p:nvPr>
+            <p:ph type="title"/>
+          </p:nvPr>
+        </p:nvSpPr>
+        <p:spPr/>
+        <p:txBody>
+          <a:bodyPr/>
+          <a:lstStyle/>
+          <a:p>
+            <a:r>
+              <a:rPr lang="en-US" dirty="0"/>
+              <a:t>Q: What’s the problem?</a:t>
+            </a:r>
+            <a:br>
+              <a:rPr lang="en-US" dirty="0"/>
+            </a:br>
+            <a:r>
+              <a:rPr lang="en-US" dirty="0"/>
+              <a:t>A: Unplanned hospital readmissions are expensive</a:t>
+            </a:r>
+          </a:p>
+        </p:txBody>
+      </p:sp>
+      <p:sp>
+        <p:nvSpPr>
+          <p:cNvPr id="3" name="Content Placeholder 2">
+            <a:extLst>
+              <a:ext uri="{FF2B5EF4-FFF2-40B4-BE49-F238E27FC236}">
+                <a16:creationId xmlns:a16="http://schemas.microsoft.com/office/drawing/2014/main" id="{B30CE165-7021-CC48-89AA-B5F941E2FB0A}"/>
+              </a:ext>
+            </a:extLst>
+          </p:cNvPr>
+          <p:cNvSpPr>
+            <a:spLocks noGrp="1"/>
+          </p:cNvSpPr>
+          <p:nvPr>
+            <p:ph idx="1"/>
+          </p:nvPr>
+        </p:nvSpPr>
+        <p:spPr/>
+        <p:txBody>
+          <a:bodyPr/>
+          <a:lstStyle/>
+          <a:p>
+            <a:r>
+              <a:rPr lang="en-US" dirty="0"/>
+              <a:t>Medicare spends $26B/ year on readmissions</a:t>
+            </a:r>
+          </a:p>
+          <a:p>
+            <a:pPr lvl="1"/>
+            <a:r>
+              <a:rPr lang="en-US" dirty="0"/>
+              <a:t>Of which $17B are spent on avoidable readmissions</a:t>
+            </a:r>
+          </a:p>
+          <a:p>
+            <a:pPr lvl="1"/>
+            <a:endParaRPr lang="en-US" dirty="0"/>
+          </a:p>
+          <a:p>
+            <a:r>
+              <a:rPr lang="en-US" dirty="0"/>
+              <a:t>In 2017 &gt;2500 hospitals paid $564M in penalties for excessive 30-day readmissions</a:t>
+            </a:r>
+          </a:p>
+          <a:p>
+            <a:endParaRPr lang="en-US" dirty="0"/>
+          </a:p>
+          <a:p>
+            <a:r>
+              <a:rPr lang="en-US" dirty="0"/>
+              <a:t>Patient experience and outcome is worse for readmitted patients</a:t>
+            </a:r>
+          </a:p>
+        </p:txBody>
+      </p:sp>
+    </p:spTree>
+    <p:extLst>
+      <p:ext uri="{BB962C8B-B14F-4D97-AF65-F5344CB8AC3E}">
+        <p14:creationId xmlns:p14="http://schemas.microsoft.com/office/powerpoint/2010/main" val="3125028159"/>
+      </p:ext>
+    </p:extLst>
+  </p:cSld>
+  <p:clrMapOvr>
+    <a:masterClrMapping/>
+  </p:clrMapOvr>
+</p:sld>
+</file>
+
+<file path=ppt/slides/slide20.xml><?xml version="1.0" encoding="utf-8"?>
 <p:sld xmlns:a="http://schemas.openxmlformats.org/drawingml/2006/main" xmlns:r="http://schemas.openxmlformats.org/officeDocument/2006/relationships" xmlns:p="http://schemas.openxmlformats.org/presentationml/2006/main">
   <p:cSld>
     <p:spTree>
@@ -9803,7 +9333,7 @@
 </p:sld>
 </file>
 
-<file path=ppt/slides/slide22.xml><?xml version="1.0" encoding="utf-8"?>
+<file path=ppt/slides/slide21.xml><?xml version="1.0" encoding="utf-8"?>
 <p:sld xmlns:a="http://schemas.openxmlformats.org/drawingml/2006/main" xmlns:r="http://schemas.openxmlformats.org/officeDocument/2006/relationships" xmlns:p="http://schemas.openxmlformats.org/presentationml/2006/main">
   <p:cSld>
     <p:spTree>
@@ -9970,7 +9500,7 @@
 </p:sld>
 </file>
 
-<file path=ppt/slides/slide23.xml><?xml version="1.0" encoding="utf-8"?>
+<file path=ppt/slides/slide22.xml><?xml version="1.0" encoding="utf-8"?>
 <p:sld xmlns:a="http://schemas.openxmlformats.org/drawingml/2006/main" xmlns:r="http://schemas.openxmlformats.org/officeDocument/2006/relationships" xmlns:p="http://schemas.openxmlformats.org/presentationml/2006/main">
   <p:cSld>
     <p:spTree>
@@ -10137,7 +9667,7 @@
 </p:sld>
 </file>
 
-<file path=ppt/slides/slide24.xml><?xml version="1.0" encoding="utf-8"?>
+<file path=ppt/slides/slide23.xml><?xml version="1.0" encoding="utf-8"?>
 <p:sld xmlns:a="http://schemas.openxmlformats.org/drawingml/2006/main" xmlns:r="http://schemas.openxmlformats.org/officeDocument/2006/relationships" xmlns:p="http://schemas.openxmlformats.org/presentationml/2006/main">
   <p:cSld>
     <p:spTree>
@@ -10339,7 +9869,7 @@
 </p:sld>
 </file>
 
-<file path=ppt/slides/slide25.xml><?xml version="1.0" encoding="utf-8"?>
+<file path=ppt/slides/slide24.xml><?xml version="1.0" encoding="utf-8"?>
 <p:sld xmlns:a="http://schemas.openxmlformats.org/drawingml/2006/main" xmlns:r="http://schemas.openxmlformats.org/officeDocument/2006/relationships" xmlns:p="http://schemas.openxmlformats.org/presentationml/2006/main">
   <p:cSld>
     <p:spTree>
@@ -11357,7 +10887,7 @@
 </p:sld>
 </file>
 
-<file path=ppt/slides/slide26.xml><?xml version="1.0" encoding="utf-8"?>
+<file path=ppt/slides/slide25.xml><?xml version="1.0" encoding="utf-8"?>
 <p:sld xmlns:a="http://schemas.openxmlformats.org/drawingml/2006/main" xmlns:r="http://schemas.openxmlformats.org/officeDocument/2006/relationships" xmlns:p="http://schemas.openxmlformats.org/presentationml/2006/main">
   <p:cSld>
     <p:spTree>
@@ -12659,7 +12189,7 @@
 </p:sld>
 </file>
 
-<file path=ppt/slides/slide27.xml><?xml version="1.0" encoding="utf-8"?>
+<file path=ppt/slides/slide26.xml><?xml version="1.0" encoding="utf-8"?>
 <p:sld xmlns:a="http://schemas.openxmlformats.org/drawingml/2006/main" xmlns:r="http://schemas.openxmlformats.org/officeDocument/2006/relationships" xmlns:p="http://schemas.openxmlformats.org/presentationml/2006/main">
   <p:cSld>
     <p:spTree>
@@ -12728,19 +12258,30 @@
         <p:spPr>
           <a:xfrm>
             <a:off x="3869268" y="4944532"/>
-            <a:ext cx="7315200" cy="1040215"/>
+            <a:ext cx="7315200" cy="1195007"/>
           </a:xfrm>
         </p:spPr>
         <p:txBody>
-          <a:bodyPr/>
+          <a:bodyPr>
+            <a:normAutofit fontScale="92500" lnSpcReduction="20000"/>
+          </a:bodyPr>
           <a:lstStyle/>
           <a:p>
             <a:pPr marL="0" indent="0">
               <a:buNone/>
             </a:pPr>
             <a:r>
-              <a:rPr lang="en-US" dirty="0"/>
+              <a:rPr lang="en-US" sz="2200" dirty="0"/>
               <a:t>The proposed logistic regression model will save the hospital additional 16%, on top of the HOSPITAL score, hence it is worth adopting!</a:t>
+            </a:r>
+          </a:p>
+          <a:p>
+            <a:pPr marL="0" indent="0">
+              <a:buNone/>
+            </a:pPr>
+            <a:r>
+              <a:rPr lang="en-US" sz="1500" dirty="0"/>
+              <a:t>* Based on following assumptions: $18k cost for FN patients, $1.5k cost for FP patients, 10% readmission, TPR_HOSPITAL=0.6, FPR_HOSPITAL=0.4</a:t>
             </a:r>
           </a:p>
         </p:txBody>
@@ -12941,7 +12482,7 @@
         <p:spPr>
           <a:xfrm>
             <a:off x="4494775" y="807069"/>
-            <a:ext cx="2986715" cy="369332"/>
+            <a:ext cx="3110147" cy="369332"/>
           </a:xfrm>
           <a:prstGeom prst="rect">
             <a:avLst/>
@@ -12963,7 +12504,7 @@
                   </a:schemeClr>
                 </a:solidFill>
               </a:rPr>
-              <a:t>Hypothetical possible savings</a:t>
+              <a:t>Hypothetical possible savings*</a:t>
             </a:r>
           </a:p>
         </p:txBody>
@@ -13159,7 +12700,7 @@
 </p:sld>
 </file>
 
-<file path=ppt/slides/slide28.xml><?xml version="1.0" encoding="utf-8"?>
+<file path=ppt/slides/slide27.xml><?xml version="1.0" encoding="utf-8"?>
 <p:sld xmlns:a="http://schemas.openxmlformats.org/drawingml/2006/main" xmlns:r="http://schemas.openxmlformats.org/officeDocument/2006/relationships" xmlns:p="http://schemas.openxmlformats.org/presentationml/2006/main">
   <p:cSld>
     <p:spTree>
@@ -13286,7 +12827,7 @@
 </p:sld>
 </file>
 
-<file path=ppt/slides/slide29.xml><?xml version="1.0" encoding="utf-8"?>
+<file path=ppt/slides/slide28.xml><?xml version="1.0" encoding="utf-8"?>
 <p:sld xmlns:a="http://schemas.openxmlformats.org/drawingml/2006/main" xmlns:r="http://schemas.openxmlformats.org/officeDocument/2006/relationships" xmlns:p="http://schemas.openxmlformats.org/presentationml/2006/main">
   <p:cSld>
     <p:spTree>
@@ -13404,6 +12945,158 @@
     <p:extLst>
       <p:ext uri="{BB962C8B-B14F-4D97-AF65-F5344CB8AC3E}">
         <p14:creationId xmlns:p14="http://schemas.microsoft.com/office/powerpoint/2010/main" val="493295654"/>
+      </p:ext>
+    </p:extLst>
+  </p:cSld>
+  <p:clrMapOvr>
+    <a:masterClrMapping/>
+  </p:clrMapOvr>
+</p:sld>
+</file>
+
+<file path=ppt/slides/slide29.xml><?xml version="1.0" encoding="utf-8"?>
+<p:sld xmlns:a="http://schemas.openxmlformats.org/drawingml/2006/main" xmlns:r="http://schemas.openxmlformats.org/officeDocument/2006/relationships" xmlns:p="http://schemas.openxmlformats.org/presentationml/2006/main">
+  <p:cSld>
+    <p:spTree>
+      <p:nvGrpSpPr>
+        <p:cNvPr id="1" name=""/>
+        <p:cNvGrpSpPr/>
+        <p:nvPr/>
+      </p:nvGrpSpPr>
+      <p:grpSpPr>
+        <a:xfrm>
+          <a:off x="0" y="0"/>
+          <a:ext cx="0" cy="0"/>
+          <a:chOff x="0" y="0"/>
+          <a:chExt cx="0" cy="0"/>
+        </a:xfrm>
+      </p:grpSpPr>
+      <p:sp>
+        <p:nvSpPr>
+          <p:cNvPr id="2" name="Title 1">
+            <a:extLst>
+              <a:ext uri="{FF2B5EF4-FFF2-40B4-BE49-F238E27FC236}">
+                <a16:creationId xmlns:a16="http://schemas.microsoft.com/office/drawing/2014/main" id="{508DAFEB-8FB8-994D-9A33-8D843412FC72}"/>
+              </a:ext>
+            </a:extLst>
+          </p:cNvPr>
+          <p:cNvSpPr>
+            <a:spLocks noGrp="1"/>
+          </p:cNvSpPr>
+          <p:nvPr>
+            <p:ph type="title"/>
+          </p:nvPr>
+        </p:nvSpPr>
+        <p:spPr/>
+        <p:txBody>
+          <a:bodyPr/>
+          <a:lstStyle/>
+          <a:p>
+            <a:r>
+              <a:rPr lang="en-US" dirty="0"/>
+              <a:t>Evaluation metric definition</a:t>
+            </a:r>
+          </a:p>
+        </p:txBody>
+      </p:sp>
+      <p:sp>
+        <p:nvSpPr>
+          <p:cNvPr id="3" name="Content Placeholder 2">
+            <a:extLst>
+              <a:ext uri="{FF2B5EF4-FFF2-40B4-BE49-F238E27FC236}">
+                <a16:creationId xmlns:a16="http://schemas.microsoft.com/office/drawing/2014/main" id="{A3B076A1-191E-6A45-B628-D6E4F49A446E}"/>
+              </a:ext>
+            </a:extLst>
+          </p:cNvPr>
+          <p:cNvSpPr>
+            <a:spLocks noGrp="1"/>
+          </p:cNvSpPr>
+          <p:nvPr>
+            <p:ph idx="1"/>
+          </p:nvPr>
+        </p:nvSpPr>
+        <p:spPr/>
+        <p:txBody>
+          <a:bodyPr>
+            <a:normAutofit fontScale="92500" lnSpcReduction="10000"/>
+          </a:bodyPr>
+          <a:lstStyle/>
+          <a:p>
+            <a:r>
+              <a:rPr lang="en-US" dirty="0"/>
+              <a:t>True positive rate (TPR) = positive prediction rate, the fraction of admissions followed by 30-day readmission that the model identifies</a:t>
+            </a:r>
+          </a:p>
+          <a:p>
+            <a:pPr lvl="1"/>
+            <a:r>
+              <a:rPr lang="en-US" dirty="0"/>
+              <a:t>The higher the TPR, the more $s the hospital saves</a:t>
+            </a:r>
+          </a:p>
+          <a:p>
+            <a:r>
+              <a:rPr lang="en-US" dirty="0"/>
+              <a:t>False positive rate (FPR) = False alarm rate, the fraction of incorrectly flagged positive readmissions out of total negative readmissions</a:t>
+            </a:r>
+          </a:p>
+          <a:p>
+            <a:pPr lvl="1"/>
+            <a:r>
+              <a:rPr lang="en-US" dirty="0"/>
+              <a:t>The higher the FPR, the more $s hospital spends on wrong patients</a:t>
+            </a:r>
+          </a:p>
+          <a:p>
+            <a:r>
+              <a:rPr lang="en-US" dirty="0"/>
+              <a:t>AUROC = area under receiver operating characteristic curve, a metric which combines TPR &amp; FPR</a:t>
+            </a:r>
+          </a:p>
+          <a:p>
+            <a:pPr lvl="1"/>
+            <a:r>
+              <a:rPr lang="en-US" dirty="0"/>
+              <a:t>Higher AUROC, more $s saved</a:t>
+            </a:r>
+          </a:p>
+          <a:p>
+            <a:r>
+              <a:rPr lang="en-US" dirty="0"/>
+              <a:t>Precision = the fraction of admissions flagged by the model that will actually result readmission</a:t>
+            </a:r>
+          </a:p>
+          <a:p>
+            <a:pPr lvl="1"/>
+            <a:r>
+              <a:rPr lang="en-US" dirty="0"/>
+              <a:t>The higher the precision, the less $s hospital spends on wrong patients</a:t>
+            </a:r>
+          </a:p>
+          <a:p>
+            <a:r>
+              <a:rPr lang="en-US" dirty="0"/>
+              <a:t>Recall = TPR</a:t>
+            </a:r>
+          </a:p>
+          <a:p>
+            <a:r>
+              <a:rPr lang="en-US" dirty="0"/>
+              <a:t>AP = Average precision, a metric to combine precision and recall</a:t>
+            </a:r>
+          </a:p>
+          <a:p>
+            <a:r>
+              <a:rPr lang="en-US" b="1" dirty="0"/>
+              <a:t>Since the dataset is imbalanced AUROC can give overly optimistic view, hence use both AUROC and AP</a:t>
+            </a:r>
+          </a:p>
+        </p:txBody>
+      </p:sp>
+    </p:spTree>
+    <p:extLst>
+      <p:ext uri="{BB962C8B-B14F-4D97-AF65-F5344CB8AC3E}">
+        <p14:creationId xmlns:p14="http://schemas.microsoft.com/office/powerpoint/2010/main" val="1676086572"/>
       </p:ext>
     </p:extLst>
   </p:cSld>
@@ -13502,7 +13195,7 @@
             </a:r>
             <a:r>
               <a:rPr lang="en-US" dirty="0"/>
-              <a:t> $s on readmission costs of correctly identified patients</a:t>
+              <a:t> money on readmission costs of correctly identified patients</a:t>
             </a:r>
           </a:p>
           <a:p>
@@ -13517,7 +13210,7 @@
             </a:r>
             <a:r>
               <a:rPr lang="en-US" dirty="0"/>
-              <a:t> $s on care management programs targeted at incorrectly identified patients</a:t>
+              <a:t> money on care management programs targeted at incorrectly identified patients</a:t>
             </a:r>
           </a:p>
           <a:p>
@@ -13818,7 +13511,7 @@
         <p:spPr>
           <a:xfrm>
             <a:off x="4494775" y="807069"/>
-            <a:ext cx="2986715" cy="369332"/>
+            <a:ext cx="3110147" cy="369332"/>
           </a:xfrm>
           <a:prstGeom prst="rect">
             <a:avLst/>
@@ -13840,7 +13533,7 @@
                   </a:schemeClr>
                 </a:solidFill>
               </a:rPr>
-              <a:t>Hypothetical possible savings</a:t>
+              <a:t>Hypothetical possible savings*</a:t>
             </a:r>
           </a:p>
         </p:txBody>
@@ -13971,6 +13664,15 @@
             <a:r>
               <a:rPr lang="en-US" dirty="0"/>
               <a:t>In order to be useful the machine learning model has to save more</a:t>
+            </a:r>
+          </a:p>
+          <a:p>
+            <a:pPr marL="0" indent="0">
+              <a:buNone/>
+            </a:pPr>
+            <a:r>
+              <a:rPr lang="en-US" sz="1400" dirty="0"/>
+              <a:t>* Based on following assumptions: $18k cost for FN patients, $1.5k cost for FP patients, 10% readmission, TPR_HOSPITAL=0.6, FPR_HOSPITAL=0.4 </a:t>
             </a:r>
           </a:p>
         </p:txBody>
